--- a/undergraduate/labs/locking.pptx
+++ b/undergraduate/labs/locking.pptx
@@ -5,11 +5,14 @@
     <p:sldMasterId id="2147483786" r:id="rId1"/>
   </p:sldMasterIdLst>
   <p:notesMasterIdLst>
-    <p:notesMasterId r:id="rId4"/>
+    <p:notesMasterId r:id="rId7"/>
   </p:notesMasterIdLst>
   <p:sldIdLst>
     <p:sldId id="256" r:id="rId2"/>
-    <p:sldId id="257" r:id="rId3"/>
+    <p:sldId id="259" r:id="rId3"/>
+    <p:sldId id="260" r:id="rId4"/>
+    <p:sldId id="261" r:id="rId5"/>
+    <p:sldId id="257" r:id="rId6"/>
   </p:sldIdLst>
   <p:sldSz cx="12192000" cy="6858000"/>
   <p:notesSz cx="6858000" cy="9144000"/>
@@ -198,7 +201,7 @@
           <a:p>
             <a:fld id="{EC53E720-1243-6043-B4C4-6E31C619CC0A}" type="datetimeFigureOut">
               <a:rPr lang="en-US" smtClean="0"/>
-              <a:t>2/23/17</a:t>
+              <a:t>2/26/17</a:t>
             </a:fld>
             <a:endParaRPr lang="en-US"/>
           </a:p>
@@ -781,7 +784,7 @@
           <a:p>
             <a:fld id="{26E720F5-B36D-F044-8ECF-58C3AADD4FFA}" type="datetime1">
               <a:rPr lang="en-US" smtClean="0"/>
-              <a:t>2/23/17</a:t>
+              <a:t>2/26/17</a:t>
             </a:fld>
             <a:endParaRPr lang="en-US"/>
           </a:p>
@@ -1060,7 +1063,7 @@
           <a:p>
             <a:fld id="{3A7898FD-2DE3-2242-AB42-1050745E6125}" type="datetime1">
               <a:rPr lang="en-US" smtClean="0"/>
-              <a:t>2/23/17</a:t>
+              <a:t>2/26/17</a:t>
             </a:fld>
             <a:endParaRPr lang="en-US"/>
           </a:p>
@@ -1315,7 +1318,7 @@
           <a:p>
             <a:fld id="{D3004C58-1FC4-1540-81EE-6BBA0CF83C34}" type="datetime1">
               <a:rPr lang="en-US" smtClean="0"/>
-              <a:t>2/23/17</a:t>
+              <a:t>2/26/17</a:t>
             </a:fld>
             <a:endParaRPr lang="en-US"/>
           </a:p>
@@ -1493,7 +1496,7 @@
           <a:p>
             <a:fld id="{1A262375-3BBF-904C-8051-E98C412ED03A}" type="datetime1">
               <a:rPr lang="en-US" smtClean="0"/>
-              <a:t>2/23/17</a:t>
+              <a:t>2/26/17</a:t>
             </a:fld>
             <a:endParaRPr lang="en-US"/>
           </a:p>
@@ -1842,7 +1845,7 @@
           <a:p>
             <a:fld id="{014586BC-7856-1741-AD0B-EE33EC4E518D}" type="datetime1">
               <a:rPr lang="en-US" smtClean="0"/>
-              <a:t>2/23/17</a:t>
+              <a:t>2/26/17</a:t>
             </a:fld>
             <a:endParaRPr lang="en-US"/>
           </a:p>
@@ -2136,7 +2139,7 @@
           <a:p>
             <a:fld id="{1FCAC5D8-AF87-324D-95D3-D6D54E182293}" type="datetime1">
               <a:rPr lang="en-US" smtClean="0"/>
-              <a:t>2/23/17</a:t>
+              <a:t>2/26/17</a:t>
             </a:fld>
             <a:endParaRPr lang="en-US" dirty="0"/>
           </a:p>
@@ -2523,7 +2526,7 @@
           <a:p>
             <a:fld id="{EFE068BA-6094-444C-97BA-6FC7A2877310}" type="datetime1">
               <a:rPr lang="en-US" smtClean="0"/>
-              <a:t>2/23/17</a:t>
+              <a:t>2/26/17</a:t>
             </a:fld>
             <a:endParaRPr lang="en-US"/>
           </a:p>
@@ -2647,7 +2650,7 @@
           <a:p>
             <a:fld id="{7B52FD35-E83C-5548-B1FB-76D71419F52A}" type="datetime1">
               <a:rPr lang="en-US" smtClean="0"/>
-              <a:t>2/23/17</a:t>
+              <a:t>2/26/17</a:t>
             </a:fld>
             <a:endParaRPr lang="en-US"/>
           </a:p>
@@ -2824,7 +2827,7 @@
           <a:p>
             <a:fld id="{980E0633-7A4C-7745-9F88-15180C289BA2}" type="datetime1">
               <a:rPr lang="en-US" smtClean="0"/>
-              <a:t>2/23/17</a:t>
+              <a:t>2/26/17</a:t>
             </a:fld>
             <a:endParaRPr lang="en-US"/>
           </a:p>
@@ -3184,7 +3187,7 @@
           <a:p>
             <a:fld id="{BFA6BC41-C466-2842-BADB-5022C22F5798}" type="datetime1">
               <a:rPr lang="en-US" smtClean="0"/>
-              <a:t>2/23/17</a:t>
+              <a:t>2/26/17</a:t>
             </a:fld>
             <a:endParaRPr lang="en-US"/>
           </a:p>
@@ -3569,7 +3572,7 @@
           <a:p>
             <a:fld id="{C455B2BC-05B3-8145-BF40-0F0FCDD2882A}" type="datetime1">
               <a:rPr lang="en-US" smtClean="0"/>
-              <a:t>2/23/17</a:t>
+              <a:t>2/26/17</a:t>
             </a:fld>
             <a:endParaRPr lang="en-US"/>
           </a:p>
@@ -3855,7 +3858,7 @@
           <a:p>
             <a:fld id="{AFC88FFC-6D65-4647-AF0B-491B52EDC8EB}" type="datetime1">
               <a:rPr lang="en-US" smtClean="0"/>
-              <a:t>2/23/17</a:t>
+              <a:t>2/26/17</a:t>
             </a:fld>
             <a:endParaRPr lang="en-US" dirty="0"/>
           </a:p>
@@ -4586,6 +4589,562 @@
           <a:p>
             <a:r>
               <a:rPr lang="en-US" dirty="0" smtClean="0"/>
+              <a:t>Lock Types</a:t>
+            </a:r>
+            <a:endParaRPr lang="en-US" dirty="0"/>
+          </a:p>
+        </p:txBody>
+      </p:sp>
+      <p:sp>
+        <p:nvSpPr>
+          <p:cNvPr id="3" name="Content Placeholder 2"/>
+          <p:cNvSpPr>
+            <a:spLocks noGrp="1"/>
+          </p:cNvSpPr>
+          <p:nvPr>
+            <p:ph idx="1"/>
+          </p:nvPr>
+        </p:nvSpPr>
+        <p:spPr/>
+        <p:txBody>
+          <a:bodyPr/>
+          <a:lstStyle/>
+          <a:p>
+            <a:r>
+              <a:rPr lang="en-US" b="1" dirty="0" smtClean="0"/>
+              <a:t>spin</a:t>
+            </a:r>
+            <a:r>
+              <a:rPr lang="en-US" dirty="0" smtClean="0"/>
+              <a:t> Check a value in a tight loop</a:t>
+            </a:r>
+          </a:p>
+          <a:p>
+            <a:r>
+              <a:rPr lang="en-US" b="1" dirty="0" err="1" smtClean="0"/>
+              <a:t>mutex</a:t>
+            </a:r>
+            <a:r>
+              <a:rPr lang="en-US" dirty="0" smtClean="0"/>
+              <a:t> Mutual exclusion lock</a:t>
+            </a:r>
+          </a:p>
+          <a:p>
+            <a:pPr lvl="1"/>
+            <a:r>
+              <a:rPr lang="en-US" dirty="0" smtClean="0"/>
+              <a:t>Spin to acquire</a:t>
+            </a:r>
+          </a:p>
+          <a:p>
+            <a:pPr lvl="1"/>
+            <a:r>
+              <a:rPr lang="en-US" dirty="0" smtClean="0"/>
+              <a:t>None shall pass</a:t>
+            </a:r>
+          </a:p>
+          <a:p>
+            <a:r>
+              <a:rPr lang="en-US" b="1" dirty="0" smtClean="0"/>
+              <a:t>r/w lock </a:t>
+            </a:r>
+            <a:r>
+              <a:rPr lang="en-US" dirty="0" smtClean="0"/>
+              <a:t>Reader/writer lock</a:t>
+            </a:r>
+          </a:p>
+          <a:p>
+            <a:pPr lvl="1"/>
+            <a:r>
+              <a:rPr lang="en-US" dirty="0" smtClean="0"/>
+              <a:t>Supports multiple, simultaneous readers or a single writer</a:t>
+            </a:r>
+          </a:p>
+          <a:p>
+            <a:r>
+              <a:rPr lang="en-US" b="1" dirty="0" smtClean="0"/>
+              <a:t>r/m lock </a:t>
+            </a:r>
+            <a:r>
+              <a:rPr lang="en-US" dirty="0" smtClean="0"/>
+              <a:t>Read mostly lock</a:t>
+            </a:r>
+          </a:p>
+          <a:p>
+            <a:pPr lvl="1"/>
+            <a:r>
+              <a:rPr lang="en-US" dirty="0" smtClean="0"/>
+              <a:t>Reader writer lock tuned for very few writers</a:t>
+            </a:r>
+          </a:p>
+          <a:p>
+            <a:r>
+              <a:rPr lang="en-US" b="1" dirty="0" err="1" smtClean="0"/>
+              <a:t>sx</a:t>
+            </a:r>
+            <a:r>
+              <a:rPr lang="en-US" b="1" dirty="0" smtClean="0"/>
+              <a:t> lock </a:t>
+            </a:r>
+            <a:r>
+              <a:rPr lang="en-US" dirty="0"/>
+              <a:t>Shared/exclusive </a:t>
+            </a:r>
+            <a:r>
+              <a:rPr lang="en-US" dirty="0" smtClean="0"/>
+              <a:t>lock</a:t>
+            </a:r>
+          </a:p>
+          <a:p>
+            <a:pPr lvl="1"/>
+            <a:r>
+              <a:rPr lang="en-US" dirty="0" smtClean="0"/>
+              <a:t>Can be held while sleeping</a:t>
+            </a:r>
+            <a:endParaRPr lang="en-US" dirty="0"/>
+          </a:p>
+        </p:txBody>
+      </p:sp>
+      <p:sp>
+        <p:nvSpPr>
+          <p:cNvPr id="4" name="Footer Placeholder 3"/>
+          <p:cNvSpPr>
+            <a:spLocks noGrp="1"/>
+          </p:cNvSpPr>
+          <p:nvPr>
+            <p:ph type="ftr" sz="quarter" idx="11"/>
+          </p:nvPr>
+        </p:nvSpPr>
+        <p:spPr/>
+        <p:txBody>
+          <a:bodyPr/>
+          <a:lstStyle/>
+          <a:p>
+            <a:r>
+              <a:rPr lang="en-US" smtClean="0"/>
+              <a:t>Introduction to Operating Systems</a:t>
+            </a:r>
+            <a:endParaRPr lang="en-US" dirty="0"/>
+          </a:p>
+        </p:txBody>
+      </p:sp>
+    </p:spTree>
+    <p:extLst>
+      <p:ext uri="{BB962C8B-B14F-4D97-AF65-F5344CB8AC3E}">
+        <p14:creationId xmlns:p14="http://schemas.microsoft.com/office/powerpoint/2010/main" val="1588085169"/>
+      </p:ext>
+    </p:extLst>
+  </p:cSld>
+  <p:clrMapOvr>
+    <a:masterClrMapping/>
+  </p:clrMapOvr>
+  <p:timing>
+    <p:tnLst>
+      <p:par>
+        <p:cTn id="1" dur="indefinite" restart="never" nodeType="tmRoot"/>
+      </p:par>
+    </p:tnLst>
+  </p:timing>
+</p:sld>
+</file>
+
+<file path=ppt/slides/slide3.xml><?xml version="1.0" encoding="utf-8"?>
+<p:sld xmlns:a="http://schemas.openxmlformats.org/drawingml/2006/main" xmlns:r="http://schemas.openxmlformats.org/officeDocument/2006/relationships" xmlns:p="http://schemas.openxmlformats.org/presentationml/2006/main">
+  <p:cSld>
+    <p:spTree>
+      <p:nvGrpSpPr>
+        <p:cNvPr id="1" name=""/>
+        <p:cNvGrpSpPr/>
+        <p:nvPr/>
+      </p:nvGrpSpPr>
+      <p:grpSpPr>
+        <a:xfrm>
+          <a:off x="0" y="0"/>
+          <a:ext cx="0" cy="0"/>
+          <a:chOff x="0" y="0"/>
+          <a:chExt cx="0" cy="0"/>
+        </a:xfrm>
+      </p:grpSpPr>
+      <p:sp>
+        <p:nvSpPr>
+          <p:cNvPr id="2" name="Title 1"/>
+          <p:cNvSpPr>
+            <a:spLocks noGrp="1"/>
+          </p:cNvSpPr>
+          <p:nvPr>
+            <p:ph type="title"/>
+          </p:nvPr>
+        </p:nvSpPr>
+        <p:spPr/>
+        <p:txBody>
+          <a:bodyPr/>
+          <a:lstStyle/>
+          <a:p>
+            <a:r>
+              <a:rPr lang="en-US" dirty="0" smtClean="0"/>
+              <a:t>Lock Debugging</a:t>
+            </a:r>
+            <a:endParaRPr lang="en-US" dirty="0"/>
+          </a:p>
+        </p:txBody>
+      </p:sp>
+      <p:sp>
+        <p:nvSpPr>
+          <p:cNvPr id="3" name="Content Placeholder 2"/>
+          <p:cNvSpPr>
+            <a:spLocks noGrp="1"/>
+          </p:cNvSpPr>
+          <p:nvPr>
+            <p:ph idx="1"/>
+          </p:nvPr>
+        </p:nvSpPr>
+        <p:spPr/>
+        <p:txBody>
+          <a:bodyPr/>
+          <a:lstStyle/>
+          <a:p>
+            <a:r>
+              <a:rPr lang="en-US" dirty="0" smtClean="0"/>
+              <a:t>The WITNESS system</a:t>
+            </a:r>
+          </a:p>
+          <a:p>
+            <a:pPr lvl="1"/>
+            <a:r>
+              <a:rPr lang="en-US" dirty="0" smtClean="0"/>
+              <a:t>A hand </a:t>
+            </a:r>
+            <a:r>
+              <a:rPr lang="en-US" smtClean="0"/>
+              <a:t>coded tracing system</a:t>
+            </a:r>
+            <a:endParaRPr lang="en-US" dirty="0" smtClean="0"/>
+          </a:p>
+          <a:p>
+            <a:r>
+              <a:rPr lang="en-US" dirty="0" smtClean="0"/>
+              <a:t>Kernel code that tracks lock acquisition and release</a:t>
+            </a:r>
+          </a:p>
+          <a:p>
+            <a:r>
+              <a:rPr lang="en-US" dirty="0" smtClean="0"/>
+              <a:t>Signals lock order reversals</a:t>
+            </a:r>
+          </a:p>
+          <a:p>
+            <a:r>
+              <a:rPr lang="en-US" dirty="0" smtClean="0"/>
+              <a:t>Not shipped in default releases</a:t>
+            </a:r>
+          </a:p>
+          <a:p>
+            <a:pPr lvl="1"/>
+            <a:r>
+              <a:rPr lang="en-US" dirty="0" smtClean="0"/>
+              <a:t>Why?</a:t>
+            </a:r>
+            <a:endParaRPr lang="en-US" dirty="0"/>
+          </a:p>
+        </p:txBody>
+      </p:sp>
+      <p:sp>
+        <p:nvSpPr>
+          <p:cNvPr id="4" name="Footer Placeholder 3"/>
+          <p:cNvSpPr>
+            <a:spLocks noGrp="1"/>
+          </p:cNvSpPr>
+          <p:nvPr>
+            <p:ph type="ftr" sz="quarter" idx="11"/>
+          </p:nvPr>
+        </p:nvSpPr>
+        <p:spPr/>
+        <p:txBody>
+          <a:bodyPr/>
+          <a:lstStyle/>
+          <a:p>
+            <a:r>
+              <a:rPr lang="en-US" smtClean="0"/>
+              <a:t>Introduction to Operating Systems</a:t>
+            </a:r>
+            <a:endParaRPr lang="en-US" dirty="0"/>
+          </a:p>
+        </p:txBody>
+      </p:sp>
+    </p:spTree>
+    <p:extLst>
+      <p:ext uri="{BB962C8B-B14F-4D97-AF65-F5344CB8AC3E}">
+        <p14:creationId xmlns:p14="http://schemas.microsoft.com/office/powerpoint/2010/main" val="2020670467"/>
+      </p:ext>
+    </p:extLst>
+  </p:cSld>
+  <p:clrMapOvr>
+    <a:masterClrMapping/>
+  </p:clrMapOvr>
+  <p:timing>
+    <p:tnLst>
+      <p:par>
+        <p:cTn id="1" dur="indefinite" restart="never" nodeType="tmRoot"/>
+      </p:par>
+    </p:tnLst>
+  </p:timing>
+</p:sld>
+</file>
+
+<file path=ppt/slides/slide4.xml><?xml version="1.0" encoding="utf-8"?>
+<p:sld xmlns:a="http://schemas.openxmlformats.org/drawingml/2006/main" xmlns:r="http://schemas.openxmlformats.org/officeDocument/2006/relationships" xmlns:p="http://schemas.openxmlformats.org/presentationml/2006/main">
+  <p:cSld>
+    <p:spTree>
+      <p:nvGrpSpPr>
+        <p:cNvPr id="1" name=""/>
+        <p:cNvGrpSpPr/>
+        <p:nvPr/>
+      </p:nvGrpSpPr>
+      <p:grpSpPr>
+        <a:xfrm>
+          <a:off x="0" y="0"/>
+          <a:ext cx="0" cy="0"/>
+          <a:chOff x="0" y="0"/>
+          <a:chExt cx="0" cy="0"/>
+        </a:xfrm>
+      </p:grpSpPr>
+      <p:sp>
+        <p:nvSpPr>
+          <p:cNvPr id="2" name="Title 1"/>
+          <p:cNvSpPr>
+            <a:spLocks noGrp="1"/>
+          </p:cNvSpPr>
+          <p:nvPr>
+            <p:ph type="title"/>
+          </p:nvPr>
+        </p:nvSpPr>
+        <p:spPr/>
+        <p:txBody>
+          <a:bodyPr/>
+          <a:lstStyle/>
+          <a:p>
+            <a:r>
+              <a:rPr lang="en-US" dirty="0" smtClean="0"/>
+              <a:t>The </a:t>
+            </a:r>
+            <a:r>
+              <a:rPr lang="en-US" dirty="0" err="1" smtClean="0"/>
+              <a:t>lockstat</a:t>
+            </a:r>
+            <a:r>
+              <a:rPr lang="en-US" dirty="0" smtClean="0"/>
+              <a:t> provider</a:t>
+            </a:r>
+            <a:endParaRPr lang="en-US" dirty="0"/>
+          </a:p>
+        </p:txBody>
+      </p:sp>
+      <p:sp>
+        <p:nvSpPr>
+          <p:cNvPr id="3" name="Content Placeholder 2"/>
+          <p:cNvSpPr>
+            <a:spLocks noGrp="1"/>
+          </p:cNvSpPr>
+          <p:nvPr>
+            <p:ph idx="1"/>
+          </p:nvPr>
+        </p:nvSpPr>
+        <p:spPr/>
+        <p:txBody>
+          <a:bodyPr/>
+          <a:lstStyle/>
+          <a:p>
+            <a:r>
+              <a:rPr lang="en-US" dirty="0" smtClean="0"/>
+              <a:t>All lock </a:t>
+            </a:r>
+            <a:r>
+              <a:rPr lang="en-US" dirty="0"/>
+              <a:t>types have similar </a:t>
+            </a:r>
+            <a:r>
+              <a:rPr lang="en-US" dirty="0" smtClean="0"/>
+              <a:t>probes, 29 </a:t>
+            </a:r>
+            <a:r>
+              <a:rPr lang="en-US" dirty="0"/>
+              <a:t>total probes in all  </a:t>
+            </a:r>
+            <a:endParaRPr lang="en-US" dirty="0" smtClean="0"/>
+          </a:p>
+          <a:p>
+            <a:r>
+              <a:rPr lang="en-US" b="1" dirty="0" smtClean="0"/>
+              <a:t>acquire</a:t>
+            </a:r>
+            <a:r>
+              <a:rPr lang="en-US" dirty="0" smtClean="0"/>
+              <a:t> </a:t>
+            </a:r>
+            <a:r>
+              <a:rPr lang="en-US" dirty="0"/>
+              <a:t>Code grabbed the lock </a:t>
+            </a:r>
+            <a:endParaRPr lang="en-US" dirty="0" smtClean="0"/>
+          </a:p>
+          <a:p>
+            <a:r>
+              <a:rPr lang="en-US" b="1" dirty="0" smtClean="0"/>
+              <a:t>block</a:t>
+            </a:r>
+            <a:r>
+              <a:rPr lang="en-US" dirty="0"/>
+              <a:t> </a:t>
+            </a:r>
+            <a:r>
+              <a:rPr lang="en-US" dirty="0" smtClean="0"/>
+              <a:t>Another </a:t>
+            </a:r>
+            <a:r>
+              <a:rPr lang="en-US" dirty="0"/>
+              <a:t>thread was blocked  </a:t>
+            </a:r>
+            <a:endParaRPr lang="en-US" dirty="0" smtClean="0"/>
+          </a:p>
+          <a:p>
+            <a:r>
+              <a:rPr lang="en-US" b="1" dirty="0" smtClean="0"/>
+              <a:t>spin</a:t>
+            </a:r>
+            <a:r>
+              <a:rPr lang="en-US" dirty="0" smtClean="0"/>
+              <a:t> </a:t>
+            </a:r>
+            <a:r>
+              <a:rPr lang="en-US" dirty="0"/>
+              <a:t>Thread is spinning on the lock  </a:t>
+            </a:r>
+            <a:endParaRPr lang="en-US" dirty="0" smtClean="0"/>
+          </a:p>
+          <a:p>
+            <a:r>
+              <a:rPr lang="en-US" b="1" dirty="0" smtClean="0"/>
+              <a:t>release</a:t>
+            </a:r>
+            <a:r>
+              <a:rPr lang="en-US" dirty="0" smtClean="0"/>
+              <a:t> </a:t>
+            </a:r>
+            <a:r>
+              <a:rPr lang="en-US" dirty="0"/>
+              <a:t>Lock is </a:t>
+            </a:r>
+            <a:r>
+              <a:rPr lang="en-US" dirty="0" smtClean="0"/>
+              <a:t>released</a:t>
+            </a:r>
+          </a:p>
+          <a:p>
+            <a:r>
+              <a:rPr lang="en-US" dirty="0" smtClean="0"/>
+              <a:t>Arguments:</a:t>
+            </a:r>
+          </a:p>
+          <a:p>
+            <a:r>
+              <a:rPr lang="en-US" b="1" dirty="0" smtClean="0"/>
+              <a:t>arg0</a:t>
+            </a:r>
+            <a:r>
+              <a:rPr lang="en-US" dirty="0" smtClean="0"/>
+              <a:t> Address of the lock object</a:t>
+            </a:r>
+          </a:p>
+          <a:p>
+            <a:r>
+              <a:rPr lang="en-US" b="1" dirty="0" smtClean="0"/>
+              <a:t>arg1</a:t>
+            </a:r>
+            <a:r>
+              <a:rPr lang="en-US" dirty="0" smtClean="0"/>
+              <a:t> Lock or spin count</a:t>
+            </a:r>
+            <a:endParaRPr lang="en-US" dirty="0"/>
+          </a:p>
+        </p:txBody>
+      </p:sp>
+      <p:sp>
+        <p:nvSpPr>
+          <p:cNvPr id="4" name="Footer Placeholder 3"/>
+          <p:cNvSpPr>
+            <a:spLocks noGrp="1"/>
+          </p:cNvSpPr>
+          <p:nvPr>
+            <p:ph type="ftr" sz="quarter" idx="11"/>
+          </p:nvPr>
+        </p:nvSpPr>
+        <p:spPr/>
+        <p:txBody>
+          <a:bodyPr/>
+          <a:lstStyle/>
+          <a:p>
+            <a:r>
+              <a:rPr lang="en-US" smtClean="0"/>
+              <a:t>Introduction to Operating Systems</a:t>
+            </a:r>
+            <a:endParaRPr lang="en-US" dirty="0"/>
+          </a:p>
+        </p:txBody>
+      </p:sp>
+    </p:spTree>
+    <p:extLst>
+      <p:ext uri="{BB962C8B-B14F-4D97-AF65-F5344CB8AC3E}">
+        <p14:creationId xmlns:p14="http://schemas.microsoft.com/office/powerpoint/2010/main" val="1102145211"/>
+      </p:ext>
+    </p:extLst>
+  </p:cSld>
+  <p:clrMapOvr>
+    <a:masterClrMapping/>
+  </p:clrMapOvr>
+  <p:timing>
+    <p:tnLst>
+      <p:par>
+        <p:cTn id="1" dur="indefinite" restart="never" nodeType="tmRoot"/>
+      </p:par>
+    </p:tnLst>
+  </p:timing>
+</p:sld>
+</file>
+
+<file path=ppt/slides/slide5.xml><?xml version="1.0" encoding="utf-8"?>
+<p:sld xmlns:a="http://schemas.openxmlformats.org/drawingml/2006/main" xmlns:r="http://schemas.openxmlformats.org/officeDocument/2006/relationships" xmlns:p="http://schemas.openxmlformats.org/presentationml/2006/main">
+  <p:cSld>
+    <p:spTree>
+      <p:nvGrpSpPr>
+        <p:cNvPr id="1" name=""/>
+        <p:cNvGrpSpPr/>
+        <p:nvPr/>
+      </p:nvGrpSpPr>
+      <p:grpSpPr>
+        <a:xfrm>
+          <a:off x="0" y="0"/>
+          <a:ext cx="0" cy="0"/>
+          <a:chOff x="0" y="0"/>
+          <a:chExt cx="0" cy="0"/>
+        </a:xfrm>
+      </p:grpSpPr>
+      <p:sp>
+        <p:nvSpPr>
+          <p:cNvPr id="2" name="Title 1"/>
+          <p:cNvSpPr>
+            <a:spLocks noGrp="1"/>
+          </p:cNvSpPr>
+          <p:nvPr>
+            <p:ph type="title"/>
+          </p:nvPr>
+        </p:nvSpPr>
+        <p:spPr/>
+        <p:txBody>
+          <a:bodyPr/>
+          <a:lstStyle/>
+          <a:p>
+            <a:r>
+              <a:rPr lang="en-US" dirty="0" smtClean="0"/>
               <a:t>Locking Lab Exercises</a:t>
             </a:r>
             <a:endParaRPr lang="en-US" dirty="0"/>
@@ -4633,20 +5192,63 @@
             </a:r>
             <a:r>
               <a:rPr lang="en-US" dirty="0"/>
-              <a:t>a one-liner to show where locks </a:t>
-            </a:r>
-            <a:r>
-              <a:rPr lang="en-US"/>
-              <a:t>are </a:t>
-            </a:r>
-            <a:r>
-              <a:rPr lang="en-US" smtClean="0"/>
+              <a:t>a one-liner to show where locks are </a:t>
+            </a:r>
+            <a:r>
+              <a:rPr lang="en-US" dirty="0" smtClean="0"/>
               <a:t>acquired</a:t>
             </a:r>
           </a:p>
           <a:p>
+            <a:r>
+              <a:rPr lang="en-US" dirty="0" smtClean="0"/>
+              <a:t>Using an aggregation show the latency of each type of lock</a:t>
+            </a:r>
+          </a:p>
+          <a:p>
+            <a:pPr lvl="1"/>
+            <a:r>
+              <a:rPr lang="en-US" dirty="0" smtClean="0"/>
+              <a:t>spin</a:t>
+            </a:r>
+          </a:p>
+          <a:p>
+            <a:pPr lvl="1"/>
+            <a:r>
+              <a:rPr lang="en-US" dirty="0" smtClean="0"/>
+              <a:t>read/write</a:t>
+            </a:r>
+          </a:p>
+          <a:p>
+            <a:pPr lvl="1"/>
+            <a:r>
+              <a:rPr lang="en-US" dirty="0" smtClean="0"/>
+              <a:t>read/mostly</a:t>
+            </a:r>
+          </a:p>
+          <a:p>
+            <a:pPr lvl="1"/>
+            <a:r>
+              <a:rPr lang="en-US" dirty="0" err="1" smtClean="0"/>
+              <a:t>sx</a:t>
+            </a:r>
             <a:endParaRPr lang="en-US" dirty="0"/>
           </a:p>
+          <a:p>
+            <a:pPr lvl="1"/>
+            <a:r>
+              <a:rPr lang="en-US" dirty="0" smtClean="0"/>
+              <a:t>Use find / &gt; </a:t>
+            </a:r>
+            <a:r>
+              <a:rPr lang="en-US" smtClean="0"/>
+              <a:t>/dev/null as your benchmark</a:t>
+            </a:r>
+            <a:endParaRPr lang="en-US" smtClean="0"/>
+          </a:p>
+          <a:p>
+            <a:endParaRPr lang="en-US" dirty="0"/>
+          </a:p>
         </p:txBody>
       </p:sp>
       <p:sp>
@@ -4666,7 +5268,7 @@
           <a:p>
             <a:fld id="{BC4AE5AA-C6FF-5A4F-9D02-E3454F0B3602}" type="datetime1">
               <a:rPr lang="en-US" smtClean="0"/>
-              <a:t>2/23/17</a:t>
+              <a:t>2/26/17</a:t>
             </a:fld>
             <a:endParaRPr lang="en-US"/>
           </a:p>
@@ -4712,7 +5314,7 @@
           <a:p>
             <a:fld id="{699C44C4-0FAD-8046-A5C4-05AB318FA424}" type="slidenum">
               <a:rPr lang="en-US" smtClean="0"/>
-              <a:t>2</a:t>
+              <a:t>5</a:t>
             </a:fld>
             <a:endParaRPr lang="en-US"/>
           </a:p>
